--- a/unit-tests_javascript.pptx
+++ b/unit-tests_javascript.pptx
@@ -209,7 +209,7 @@
           <a:p>
             <a:fld id="{94D3EB41-CF60-4C9F-BD83-AE56FA0945EB}" type="datetimeFigureOut">
               <a:rPr lang="pt-BR" smtClean="0"/>
-              <a:t>26/06/2020</a:t>
+              <a:t>29/06/2020</a:t>
             </a:fld>
             <a:endParaRPr lang="pt-BR"/>
           </a:p>
@@ -367,7 +367,7 @@
           <a:p>
             <a:fld id="{020F486D-935E-4125-8FD7-C735663CC7DE}" type="slidenum">
               <a:rPr lang="pt-BR" smtClean="0"/>
-              <a:t>‹#›</a:t>
+              <a:t>‹nº›</a:t>
             </a:fld>
             <a:endParaRPr lang="pt-BR"/>
           </a:p>
@@ -719,7 +719,7 @@
           <a:p>
             <a:fld id="{9642BF85-54FF-46CE-B398-87F998CFD60B}" type="datetimeFigureOut">
               <a:rPr lang="pt-BR" smtClean="0"/>
-              <a:t>26/06/2020</a:t>
+              <a:t>29/06/2020</a:t>
             </a:fld>
             <a:endParaRPr lang="pt-BR"/>
           </a:p>
@@ -761,7 +761,7 @@
           <a:p>
             <a:fld id="{29185252-FBA3-417A-8652-C405B89605D8}" type="slidenum">
               <a:rPr lang="pt-BR" smtClean="0"/>
-              <a:t>‹#›</a:t>
+              <a:t>‹nº›</a:t>
             </a:fld>
             <a:endParaRPr lang="pt-BR"/>
           </a:p>
@@ -887,7 +887,7 @@
           <a:p>
             <a:fld id="{9642BF85-54FF-46CE-B398-87F998CFD60B}" type="datetimeFigureOut">
               <a:rPr lang="pt-BR" smtClean="0"/>
-              <a:t>26/06/2020</a:t>
+              <a:t>29/06/2020</a:t>
             </a:fld>
             <a:endParaRPr lang="pt-BR"/>
           </a:p>
@@ -929,7 +929,7 @@
           <a:p>
             <a:fld id="{29185252-FBA3-417A-8652-C405B89605D8}" type="slidenum">
               <a:rPr lang="pt-BR" smtClean="0"/>
-              <a:t>‹#›</a:t>
+              <a:t>‹nº›</a:t>
             </a:fld>
             <a:endParaRPr lang="pt-BR"/>
           </a:p>
@@ -1065,7 +1065,7 @@
           <a:p>
             <a:fld id="{9642BF85-54FF-46CE-B398-87F998CFD60B}" type="datetimeFigureOut">
               <a:rPr lang="pt-BR" smtClean="0"/>
-              <a:t>26/06/2020</a:t>
+              <a:t>29/06/2020</a:t>
             </a:fld>
             <a:endParaRPr lang="pt-BR"/>
           </a:p>
@@ -1107,7 +1107,7 @@
           <a:p>
             <a:fld id="{29185252-FBA3-417A-8652-C405B89605D8}" type="slidenum">
               <a:rPr lang="pt-BR" smtClean="0"/>
-              <a:t>‹#›</a:t>
+              <a:t>‹nº›</a:t>
             </a:fld>
             <a:endParaRPr lang="pt-BR"/>
           </a:p>
@@ -1402,7 +1402,7 @@
           <a:p>
             <a:fld id="{9642BF85-54FF-46CE-B398-87F998CFD60B}" type="datetimeFigureOut">
               <a:rPr lang="pt-BR" smtClean="0"/>
-              <a:t>26/06/2020</a:t>
+              <a:t>29/06/2020</a:t>
             </a:fld>
             <a:endParaRPr lang="pt-BR"/>
           </a:p>
@@ -1444,7 +1444,7 @@
           <a:p>
             <a:fld id="{29185252-FBA3-417A-8652-C405B89605D8}" type="slidenum">
               <a:rPr lang="pt-BR" smtClean="0"/>
-              <a:t>‹#›</a:t>
+              <a:t>‹nº›</a:t>
             </a:fld>
             <a:endParaRPr lang="pt-BR"/>
           </a:p>
@@ -1673,7 +1673,7 @@
           <a:p>
             <a:fld id="{9642BF85-54FF-46CE-B398-87F998CFD60B}" type="datetimeFigureOut">
               <a:rPr lang="pt-BR" smtClean="0"/>
-              <a:t>26/06/2020</a:t>
+              <a:t>29/06/2020</a:t>
             </a:fld>
             <a:endParaRPr lang="pt-BR"/>
           </a:p>
@@ -1715,7 +1715,7 @@
           <a:p>
             <a:fld id="{29185252-FBA3-417A-8652-C405B89605D8}" type="slidenum">
               <a:rPr lang="pt-BR" smtClean="0"/>
-              <a:t>‹#›</a:t>
+              <a:t>‹nº›</a:t>
             </a:fld>
             <a:endParaRPr lang="pt-BR"/>
           </a:p>
@@ -1919,7 +1919,7 @@
           <a:p>
             <a:fld id="{9642BF85-54FF-46CE-B398-87F998CFD60B}" type="datetimeFigureOut">
               <a:rPr lang="pt-BR" smtClean="0"/>
-              <a:t>26/06/2020</a:t>
+              <a:t>29/06/2020</a:t>
             </a:fld>
             <a:endParaRPr lang="pt-BR"/>
           </a:p>
@@ -1961,7 +1961,7 @@
           <a:p>
             <a:fld id="{29185252-FBA3-417A-8652-C405B89605D8}" type="slidenum">
               <a:rPr lang="pt-BR" smtClean="0"/>
-              <a:t>‹#›</a:t>
+              <a:t>‹nº›</a:t>
             </a:fld>
             <a:endParaRPr lang="pt-BR"/>
           </a:p>
@@ -2283,7 +2283,7 @@
           <a:p>
             <a:fld id="{9642BF85-54FF-46CE-B398-87F998CFD60B}" type="datetimeFigureOut">
               <a:rPr lang="pt-BR" smtClean="0"/>
-              <a:t>26/06/2020</a:t>
+              <a:t>29/06/2020</a:t>
             </a:fld>
             <a:endParaRPr lang="pt-BR"/>
           </a:p>
@@ -2325,7 +2325,7 @@
           <a:p>
             <a:fld id="{29185252-FBA3-417A-8652-C405B89605D8}" type="slidenum">
               <a:rPr lang="pt-BR" smtClean="0"/>
-              <a:t>‹#›</a:t>
+              <a:t>‹nº›</a:t>
             </a:fld>
             <a:endParaRPr lang="pt-BR"/>
           </a:p>
@@ -2417,7 +2417,7 @@
           <a:p>
             <a:fld id="{9642BF85-54FF-46CE-B398-87F998CFD60B}" type="datetimeFigureOut">
               <a:rPr lang="pt-BR" smtClean="0"/>
-              <a:t>26/06/2020</a:t>
+              <a:t>29/06/2020</a:t>
             </a:fld>
             <a:endParaRPr lang="pt-BR"/>
           </a:p>
@@ -2459,7 +2459,7 @@
           <a:p>
             <a:fld id="{29185252-FBA3-417A-8652-C405B89605D8}" type="slidenum">
               <a:rPr lang="pt-BR" smtClean="0"/>
-              <a:t>‹#›</a:t>
+              <a:t>‹nº›</a:t>
             </a:fld>
             <a:endParaRPr lang="pt-BR"/>
           </a:p>
@@ -2512,7 +2512,7 @@
           <a:p>
             <a:fld id="{9642BF85-54FF-46CE-B398-87F998CFD60B}" type="datetimeFigureOut">
               <a:rPr lang="pt-BR" smtClean="0"/>
-              <a:t>26/06/2020</a:t>
+              <a:t>29/06/2020</a:t>
             </a:fld>
             <a:endParaRPr lang="pt-BR"/>
           </a:p>
@@ -2554,7 +2554,7 @@
           <a:p>
             <a:fld id="{29185252-FBA3-417A-8652-C405B89605D8}" type="slidenum">
               <a:rPr lang="pt-BR" smtClean="0"/>
-              <a:t>‹#›</a:t>
+              <a:t>‹nº›</a:t>
             </a:fld>
             <a:endParaRPr lang="pt-BR"/>
           </a:p>
@@ -2787,7 +2787,7 @@
           <a:p>
             <a:fld id="{9642BF85-54FF-46CE-B398-87F998CFD60B}" type="datetimeFigureOut">
               <a:rPr lang="pt-BR" smtClean="0"/>
-              <a:t>26/06/2020</a:t>
+              <a:t>29/06/2020</a:t>
             </a:fld>
             <a:endParaRPr lang="pt-BR"/>
           </a:p>
@@ -2829,7 +2829,7 @@
           <a:p>
             <a:fld id="{29185252-FBA3-417A-8652-C405B89605D8}" type="slidenum">
               <a:rPr lang="pt-BR" smtClean="0"/>
-              <a:t>‹#›</a:t>
+              <a:t>‹nº›</a:t>
             </a:fld>
             <a:endParaRPr lang="pt-BR"/>
           </a:p>
@@ -3039,7 +3039,7 @@
           <a:p>
             <a:fld id="{9642BF85-54FF-46CE-B398-87F998CFD60B}" type="datetimeFigureOut">
               <a:rPr lang="pt-BR" smtClean="0"/>
-              <a:t>26/06/2020</a:t>
+              <a:t>29/06/2020</a:t>
             </a:fld>
             <a:endParaRPr lang="pt-BR"/>
           </a:p>
@@ -3081,7 +3081,7 @@
           <a:p>
             <a:fld id="{29185252-FBA3-417A-8652-C405B89605D8}" type="slidenum">
               <a:rPr lang="pt-BR" smtClean="0"/>
-              <a:t>‹#›</a:t>
+              <a:t>‹nº›</a:t>
             </a:fld>
             <a:endParaRPr lang="pt-BR"/>
           </a:p>
@@ -3259,7 +3259,7 @@
           <a:p>
             <a:fld id="{9642BF85-54FF-46CE-B398-87F998CFD60B}" type="datetimeFigureOut">
               <a:rPr lang="pt-BR" smtClean="0"/>
-              <a:t>26/06/2020</a:t>
+              <a:t>29/06/2020</a:t>
             </a:fld>
             <a:endParaRPr lang="pt-BR"/>
           </a:p>
@@ -3337,7 +3337,7 @@
           <a:p>
             <a:fld id="{29185252-FBA3-417A-8652-C405B89605D8}" type="slidenum">
               <a:rPr lang="pt-BR" smtClean="0"/>
-              <a:t>‹#›</a:t>
+              <a:t>‹nº›</a:t>
             </a:fld>
             <a:endParaRPr lang="pt-BR"/>
           </a:p>
@@ -3993,7 +3993,7 @@
                 <a:latin typeface="Courier New" panose="02070309020205020404" pitchFamily="49" charset="0"/>
                 <a:cs typeface="Courier New" panose="02070309020205020404" pitchFamily="49" charset="0"/>
               </a:rPr>
-              <a:t>PASS ./sum.test.js</a:t>
+              <a:t>PASS ./soma.test.js</a:t>
             </a:r>
           </a:p>
           <a:p>
@@ -5146,7 +5146,7 @@
                 <a:latin typeface="Courier New" panose="02070309020205020404" pitchFamily="49" charset="0"/>
                 <a:cs typeface="Courier New" panose="02070309020205020404" pitchFamily="49" charset="0"/>
               </a:rPr>
-              <a:t>function sum(a, b) { return a + b; }</a:t>
+              <a:t>function soma(a, b) { return a + b; }</a:t>
             </a:r>
           </a:p>
           <a:p>
@@ -5163,7 +5163,7 @@
                 <a:latin typeface="Courier New" panose="02070309020205020404" pitchFamily="49" charset="0"/>
                 <a:cs typeface="Courier New" panose="02070309020205020404" pitchFamily="49" charset="0"/>
               </a:rPr>
-              <a:t> = sum;</a:t>
+              <a:t> = soma;</a:t>
             </a:r>
             <a:endParaRPr lang="pt-BR" dirty="0">
               <a:latin typeface="Courier New" panose="02070309020205020404" pitchFamily="49" charset="0"/>
@@ -5303,7 +5303,7 @@
                 <a:latin typeface="Courier New" panose="02070309020205020404" pitchFamily="49" charset="0"/>
                 <a:cs typeface="Courier New" panose="02070309020205020404" pitchFamily="49" charset="0"/>
               </a:rPr>
-              <a:t>const soma = require('./sum’);</a:t>
+              <a:t>const soma = require(‘./soma’);</a:t>
             </a:r>
           </a:p>
           <a:p>

--- a/unit-tests_javascript.pptx
+++ b/unit-tests_javascript.pptx
@@ -5,7 +5,7 @@
     <p:sldMasterId id="2147483648" r:id="rId1"/>
   </p:sldMasterIdLst>
   <p:notesMasterIdLst>
-    <p:notesMasterId r:id="rId15"/>
+    <p:notesMasterId r:id="rId16"/>
   </p:notesMasterIdLst>
   <p:sldIdLst>
     <p:sldId id="256" r:id="rId2"/>
@@ -20,7 +20,8 @@
     <p:sldId id="313" r:id="rId11"/>
     <p:sldId id="314" r:id="rId12"/>
     <p:sldId id="315" r:id="rId13"/>
-    <p:sldId id="300" r:id="rId14"/>
+    <p:sldId id="316" r:id="rId14"/>
+    <p:sldId id="300" r:id="rId15"/>
   </p:sldIdLst>
   <p:sldSz cx="12192000" cy="6858000"/>
   <p:notesSz cx="6858000" cy="9144000"/>
@@ -209,7 +210,7 @@
           <a:p>
             <a:fld id="{94D3EB41-CF60-4C9F-BD83-AE56FA0945EB}" type="datetimeFigureOut">
               <a:rPr lang="pt-BR" smtClean="0"/>
-              <a:t>29/06/2020</a:t>
+              <a:t>09/10/2020</a:t>
             </a:fld>
             <a:endParaRPr lang="pt-BR"/>
           </a:p>
@@ -719,7 +720,7 @@
           <a:p>
             <a:fld id="{9642BF85-54FF-46CE-B398-87F998CFD60B}" type="datetimeFigureOut">
               <a:rPr lang="pt-BR" smtClean="0"/>
-              <a:t>29/06/2020</a:t>
+              <a:t>09/10/2020</a:t>
             </a:fld>
             <a:endParaRPr lang="pt-BR"/>
           </a:p>
@@ -887,7 +888,7 @@
           <a:p>
             <a:fld id="{9642BF85-54FF-46CE-B398-87F998CFD60B}" type="datetimeFigureOut">
               <a:rPr lang="pt-BR" smtClean="0"/>
-              <a:t>29/06/2020</a:t>
+              <a:t>09/10/2020</a:t>
             </a:fld>
             <a:endParaRPr lang="pt-BR"/>
           </a:p>
@@ -1065,7 +1066,7 @@
           <a:p>
             <a:fld id="{9642BF85-54FF-46CE-B398-87F998CFD60B}" type="datetimeFigureOut">
               <a:rPr lang="pt-BR" smtClean="0"/>
-              <a:t>29/06/2020</a:t>
+              <a:t>09/10/2020</a:t>
             </a:fld>
             <a:endParaRPr lang="pt-BR"/>
           </a:p>
@@ -1402,7 +1403,7 @@
           <a:p>
             <a:fld id="{9642BF85-54FF-46CE-B398-87F998CFD60B}" type="datetimeFigureOut">
               <a:rPr lang="pt-BR" smtClean="0"/>
-              <a:t>29/06/2020</a:t>
+              <a:t>09/10/2020</a:t>
             </a:fld>
             <a:endParaRPr lang="pt-BR"/>
           </a:p>
@@ -1673,7 +1674,7 @@
           <a:p>
             <a:fld id="{9642BF85-54FF-46CE-B398-87F998CFD60B}" type="datetimeFigureOut">
               <a:rPr lang="pt-BR" smtClean="0"/>
-              <a:t>29/06/2020</a:t>
+              <a:t>09/10/2020</a:t>
             </a:fld>
             <a:endParaRPr lang="pt-BR"/>
           </a:p>
@@ -1919,7 +1920,7 @@
           <a:p>
             <a:fld id="{9642BF85-54FF-46CE-B398-87F998CFD60B}" type="datetimeFigureOut">
               <a:rPr lang="pt-BR" smtClean="0"/>
-              <a:t>29/06/2020</a:t>
+              <a:t>09/10/2020</a:t>
             </a:fld>
             <a:endParaRPr lang="pt-BR"/>
           </a:p>
@@ -2283,7 +2284,7 @@
           <a:p>
             <a:fld id="{9642BF85-54FF-46CE-B398-87F998CFD60B}" type="datetimeFigureOut">
               <a:rPr lang="pt-BR" smtClean="0"/>
-              <a:t>29/06/2020</a:t>
+              <a:t>09/10/2020</a:t>
             </a:fld>
             <a:endParaRPr lang="pt-BR"/>
           </a:p>
@@ -2417,7 +2418,7 @@
           <a:p>
             <a:fld id="{9642BF85-54FF-46CE-B398-87F998CFD60B}" type="datetimeFigureOut">
               <a:rPr lang="pt-BR" smtClean="0"/>
-              <a:t>29/06/2020</a:t>
+              <a:t>09/10/2020</a:t>
             </a:fld>
             <a:endParaRPr lang="pt-BR"/>
           </a:p>
@@ -2512,7 +2513,7 @@
           <a:p>
             <a:fld id="{9642BF85-54FF-46CE-B398-87F998CFD60B}" type="datetimeFigureOut">
               <a:rPr lang="pt-BR" smtClean="0"/>
-              <a:t>29/06/2020</a:t>
+              <a:t>09/10/2020</a:t>
             </a:fld>
             <a:endParaRPr lang="pt-BR"/>
           </a:p>
@@ -2787,7 +2788,7 @@
           <a:p>
             <a:fld id="{9642BF85-54FF-46CE-B398-87F998CFD60B}" type="datetimeFigureOut">
               <a:rPr lang="pt-BR" smtClean="0"/>
-              <a:t>29/06/2020</a:t>
+              <a:t>09/10/2020</a:t>
             </a:fld>
             <a:endParaRPr lang="pt-BR"/>
           </a:p>
@@ -3039,7 +3040,7 @@
           <a:p>
             <a:fld id="{9642BF85-54FF-46CE-B398-87F998CFD60B}" type="datetimeFigureOut">
               <a:rPr lang="pt-BR" smtClean="0"/>
-              <a:t>29/06/2020</a:t>
+              <a:t>09/10/2020</a:t>
             </a:fld>
             <a:endParaRPr lang="pt-BR"/>
           </a:p>
@@ -3259,7 +3260,7 @@
           <a:p>
             <a:fld id="{9642BF85-54FF-46CE-B398-87F998CFD60B}" type="datetimeFigureOut">
               <a:rPr lang="pt-BR" smtClean="0"/>
-              <a:t>29/06/2020</a:t>
+              <a:t>09/10/2020</a:t>
             </a:fld>
             <a:endParaRPr lang="pt-BR"/>
           </a:p>
@@ -4199,6 +4200,88 @@
 </file>
 
 <file path=ppt/slides/slide13.xml><?xml version="1.0" encoding="utf-8"?>
+<p:sld xmlns:a="http://schemas.openxmlformats.org/drawingml/2006/main" xmlns:r="http://schemas.openxmlformats.org/officeDocument/2006/relationships" xmlns:p="http://schemas.openxmlformats.org/presentationml/2006/main">
+  <p:cSld>
+    <p:spTree>
+      <p:nvGrpSpPr>
+        <p:cNvPr id="1" name=""/>
+        <p:cNvGrpSpPr/>
+        <p:nvPr/>
+      </p:nvGrpSpPr>
+      <p:grpSpPr>
+        <a:xfrm>
+          <a:off x="0" y="0"/>
+          <a:ext cx="0" cy="0"/>
+          <a:chOff x="0" y="0"/>
+          <a:chExt cx="0" cy="0"/>
+        </a:xfrm>
+      </p:grpSpPr>
+      <p:sp>
+        <p:nvSpPr>
+          <p:cNvPr id="5" name="Título 4"/>
+          <p:cNvSpPr>
+            <a:spLocks noGrp="1"/>
+          </p:cNvSpPr>
+          <p:nvPr>
+            <p:ph type="title"/>
+          </p:nvPr>
+        </p:nvSpPr>
+        <p:spPr/>
+        <p:txBody>
+          <a:bodyPr/>
+          <a:lstStyle/>
+          <a:p>
+            <a:r>
+              <a:rPr lang="pt-BR" dirty="0"/>
+              <a:t>Código Síncrono</a:t>
+            </a:r>
+          </a:p>
+        </p:txBody>
+      </p:sp>
+      <p:sp>
+        <p:nvSpPr>
+          <p:cNvPr id="6" name="Espaço Reservado para Conteúdo 5"/>
+          <p:cNvSpPr>
+            <a:spLocks noGrp="1"/>
+          </p:cNvSpPr>
+          <p:nvPr>
+            <p:ph idx="1"/>
+          </p:nvPr>
+        </p:nvSpPr>
+        <p:spPr/>
+        <p:txBody>
+          <a:bodyPr>
+            <a:normAutofit/>
+          </a:bodyPr>
+          <a:lstStyle/>
+          <a:p>
+            <a:r>
+              <a:rPr lang="pt-BR" dirty="0"/>
+              <a:t>Normalmente, o código de um programa é executado de forma direta, com uma coisa acontecendo por vez.</a:t>
+            </a:r>
+          </a:p>
+          <a:p>
+            <a:r>
+              <a:rPr lang="pt-BR" dirty="0"/>
+              <a:t>Se uma função depende do resultado de outra função, ela tem que esperar o retorno do resultado, e até que isso aconteça, o programa inteiro praticamente para de funcionar da perspectiva do usuário.</a:t>
+            </a:r>
+          </a:p>
+        </p:txBody>
+      </p:sp>
+    </p:spTree>
+    <p:extLst>
+      <p:ext uri="{BB962C8B-B14F-4D97-AF65-F5344CB8AC3E}">
+        <p14:creationId xmlns:p14="http://schemas.microsoft.com/office/powerpoint/2010/main" val="623563899"/>
+      </p:ext>
+    </p:extLst>
+  </p:cSld>
+  <p:clrMapOvr>
+    <a:masterClrMapping/>
+  </p:clrMapOvr>
+</p:sld>
+</file>
+
+<file path=ppt/slides/slide14.xml><?xml version="1.0" encoding="utf-8"?>
 <p:sld xmlns:a="http://schemas.openxmlformats.org/drawingml/2006/main" xmlns:r="http://schemas.openxmlformats.org/officeDocument/2006/relationships" xmlns:p="http://schemas.openxmlformats.org/presentationml/2006/main">
   <p:cSld>
     <p:spTree>
